--- a/session-1/session-1.pptx
+++ b/session-1/session-1.pptx
@@ -12,11 +12,12 @@
     <p:sldId id="281" r:id="rId6"/>
     <p:sldId id="282" r:id="rId7"/>
     <p:sldId id="275" r:id="rId8"/>
-    <p:sldId id="257" r:id="rId9"/>
-    <p:sldId id="258" r:id="rId10"/>
-    <p:sldId id="276" r:id="rId11"/>
-    <p:sldId id="277" r:id="rId12"/>
-    <p:sldId id="283" r:id="rId13"/>
+    <p:sldId id="285" r:id="rId9"/>
+    <p:sldId id="257" r:id="rId10"/>
+    <p:sldId id="258" r:id="rId11"/>
+    <p:sldId id="276" r:id="rId12"/>
+    <p:sldId id="277" r:id="rId13"/>
+    <p:sldId id="283" r:id="rId14"/>
   </p:sldIdLst>
   <p:sldSz cx="12192000" cy="6858000"/>
   <p:notesSz cx="6858000" cy="9144000"/>
@@ -270,7 +271,7 @@
           <a:p>
             <a:fld id="{BC4447A5-2F1B-415B-887A-49702A7BEF2C}" type="datetimeFigureOut">
               <a:rPr lang="en-US" smtClean="0"/>
-              <a:t>1/22/2023</a:t>
+              <a:t>2/1/2023</a:t>
             </a:fld>
             <a:endParaRPr lang="en-US"/>
           </a:p>
@@ -468,7 +469,7 @@
           <a:p>
             <a:fld id="{BC4447A5-2F1B-415B-887A-49702A7BEF2C}" type="datetimeFigureOut">
               <a:rPr lang="en-US" smtClean="0"/>
-              <a:t>1/22/2023</a:t>
+              <a:t>2/1/2023</a:t>
             </a:fld>
             <a:endParaRPr lang="en-US"/>
           </a:p>
@@ -676,7 +677,7 @@
           <a:p>
             <a:fld id="{BC4447A5-2F1B-415B-887A-49702A7BEF2C}" type="datetimeFigureOut">
               <a:rPr lang="en-US" smtClean="0"/>
-              <a:t>1/22/2023</a:t>
+              <a:t>2/1/2023</a:t>
             </a:fld>
             <a:endParaRPr lang="en-US"/>
           </a:p>
@@ -874,7 +875,7 @@
           <a:p>
             <a:fld id="{BC4447A5-2F1B-415B-887A-49702A7BEF2C}" type="datetimeFigureOut">
               <a:rPr lang="en-US" smtClean="0"/>
-              <a:t>1/22/2023</a:t>
+              <a:t>2/1/2023</a:t>
             </a:fld>
             <a:endParaRPr lang="en-US"/>
           </a:p>
@@ -1149,7 +1150,7 @@
           <a:p>
             <a:fld id="{BC4447A5-2F1B-415B-887A-49702A7BEF2C}" type="datetimeFigureOut">
               <a:rPr lang="en-US" smtClean="0"/>
-              <a:t>1/22/2023</a:t>
+              <a:t>2/1/2023</a:t>
             </a:fld>
             <a:endParaRPr lang="en-US"/>
           </a:p>
@@ -1414,7 +1415,7 @@
           <a:p>
             <a:fld id="{BC4447A5-2F1B-415B-887A-49702A7BEF2C}" type="datetimeFigureOut">
               <a:rPr lang="en-US" smtClean="0"/>
-              <a:t>1/22/2023</a:t>
+              <a:t>2/1/2023</a:t>
             </a:fld>
             <a:endParaRPr lang="en-US"/>
           </a:p>
@@ -1826,7 +1827,7 @@
           <a:p>
             <a:fld id="{BC4447A5-2F1B-415B-887A-49702A7BEF2C}" type="datetimeFigureOut">
               <a:rPr lang="en-US" smtClean="0"/>
-              <a:t>1/22/2023</a:t>
+              <a:t>2/1/2023</a:t>
             </a:fld>
             <a:endParaRPr lang="en-US"/>
           </a:p>
@@ -1967,7 +1968,7 @@
           <a:p>
             <a:fld id="{BC4447A5-2F1B-415B-887A-49702A7BEF2C}" type="datetimeFigureOut">
               <a:rPr lang="en-US" smtClean="0"/>
-              <a:t>1/22/2023</a:t>
+              <a:t>2/1/2023</a:t>
             </a:fld>
             <a:endParaRPr lang="en-US"/>
           </a:p>
@@ -2080,7 +2081,7 @@
           <a:p>
             <a:fld id="{BC4447A5-2F1B-415B-887A-49702A7BEF2C}" type="datetimeFigureOut">
               <a:rPr lang="en-US" smtClean="0"/>
-              <a:t>1/22/2023</a:t>
+              <a:t>2/1/2023</a:t>
             </a:fld>
             <a:endParaRPr lang="en-US"/>
           </a:p>
@@ -2391,7 +2392,7 @@
           <a:p>
             <a:fld id="{BC4447A5-2F1B-415B-887A-49702A7BEF2C}" type="datetimeFigureOut">
               <a:rPr lang="en-US" smtClean="0"/>
-              <a:t>1/22/2023</a:t>
+              <a:t>2/1/2023</a:t>
             </a:fld>
             <a:endParaRPr lang="en-US"/>
           </a:p>
@@ -2679,7 +2680,7 @@
           <a:p>
             <a:fld id="{BC4447A5-2F1B-415B-887A-49702A7BEF2C}" type="datetimeFigureOut">
               <a:rPr lang="en-US" smtClean="0"/>
-              <a:t>1/22/2023</a:t>
+              <a:t>2/1/2023</a:t>
             </a:fld>
             <a:endParaRPr lang="en-US"/>
           </a:p>
@@ -2920,7 +2921,7 @@
           <a:p>
             <a:fld id="{BC4447A5-2F1B-415B-887A-49702A7BEF2C}" type="datetimeFigureOut">
               <a:rPr lang="en-US" smtClean="0"/>
-              <a:t>1/22/2023</a:t>
+              <a:t>2/1/2023</a:t>
             </a:fld>
             <a:endParaRPr lang="en-US"/>
           </a:p>
@@ -3548,13 +3549,7 @@
       </p:grpSpPr>
       <p:sp>
         <p:nvSpPr>
-          <p:cNvPr id="2" name="Title 1">
-            <a:extLst>
-              <a:ext uri="{FF2B5EF4-FFF2-40B4-BE49-F238E27FC236}">
-                <a16:creationId xmlns:a16="http://schemas.microsoft.com/office/drawing/2014/main" id="{99C27558-ABAA-4F77-8BCD-02F01616DF61}"/>
-              </a:ext>
-            </a:extLst>
-          </p:cNvPr>
+          <p:cNvPr id="2" name="Title 1"/>
           <p:cNvSpPr>
             <a:spLocks noGrp="1"/>
           </p:cNvSpPr>
@@ -3569,20 +3564,14 @@
           <a:p>
             <a:r>
               <a:rPr lang="en-US" dirty="0"/>
-              <a:t>Goals for this morning</a:t>
-            </a:r>
-          </a:p>
-        </p:txBody>
-      </p:sp>
-      <p:sp>
-        <p:nvSpPr>
-          <p:cNvPr id="3" name="Content Placeholder 2">
-            <a:extLst>
-              <a:ext uri="{FF2B5EF4-FFF2-40B4-BE49-F238E27FC236}">
-                <a16:creationId xmlns:a16="http://schemas.microsoft.com/office/drawing/2014/main" id="{CE47C997-E594-4985-AC92-C9343681A7C9}"/>
-              </a:ext>
-            </a:extLst>
-          </p:cNvPr>
+              <a:t>Structure of the Workshops</a:t>
+            </a:r>
+          </a:p>
+        </p:txBody>
+      </p:sp>
+      <p:sp>
+        <p:nvSpPr>
+          <p:cNvPr id="3" name="Content Placeholder 2"/>
           <p:cNvSpPr>
             <a:spLocks noGrp="1"/>
           </p:cNvSpPr>
@@ -3592,44 +3581,44 @@
         </p:nvSpPr>
         <p:spPr/>
         <p:txBody>
-          <a:bodyPr/>
-          <a:lstStyle/>
-          <a:p>
-            <a:r>
-              <a:rPr lang="en-US" dirty="0"/>
-              <a:t>Be able to open datasets in </a:t>
-            </a:r>
-            <a:r>
-              <a:rPr lang="en-US" dirty="0" err="1"/>
-              <a:t>RStudio</a:t>
-            </a:r>
-            <a:r>
-              <a:rPr lang="en-US" dirty="0"/>
-              <a:t>.</a:t>
-            </a:r>
-          </a:p>
-          <a:p>
-            <a:r>
-              <a:rPr lang="en-US" dirty="0"/>
-              <a:t>Be able to navigate datasets.</a:t>
-            </a:r>
-          </a:p>
-          <a:p>
-            <a:r>
-              <a:rPr lang="en-US" dirty="0"/>
-              <a:t>Understand the use of scripts.</a:t>
-            </a:r>
-          </a:p>
-          <a:p>
-            <a:r>
-              <a:rPr lang="en-US" dirty="0"/>
-              <a:t>Be able to use help.</a:t>
-            </a:r>
-          </a:p>
-          <a:p>
-            <a:r>
-              <a:rPr lang="en-US" dirty="0"/>
-              <a:t>Be able to use base R functions.</a:t>
+          <a:bodyPr>
+            <a:normAutofit/>
+          </a:bodyPr>
+          <a:lstStyle/>
+          <a:p>
+            <a:pPr marL="0" indent="0">
+              <a:buNone/>
+            </a:pPr>
+            <a:r>
+              <a:rPr lang="en-US" dirty="0"/>
+              <a:t>“We do, you do”.</a:t>
+            </a:r>
+          </a:p>
+          <a:p>
+            <a:pPr marL="0" indent="0">
+              <a:buNone/>
+            </a:pPr>
+            <a:r>
+              <a:rPr lang="en-US" dirty="0"/>
+              <a:t>9-10:30 – Intro to R</a:t>
+            </a:r>
+          </a:p>
+          <a:p>
+            <a:pPr marL="0" indent="0">
+              <a:buNone/>
+            </a:pPr>
+            <a:r>
+              <a:rPr lang="en-US" dirty="0"/>
+              <a:t>10:30-11:30 – Pair Programing</a:t>
+            </a:r>
+          </a:p>
+          <a:p>
+            <a:pPr marL="0" indent="0">
+              <a:buNone/>
+            </a:pPr>
+            <a:r>
+              <a:rPr lang="en-US" dirty="0"/>
+              <a:t>11:30-12:00 – Review Solutions</a:t>
             </a:r>
           </a:p>
         </p:txBody>
@@ -3637,7 +3626,7 @@
     </p:spTree>
     <p:extLst>
       <p:ext uri="{BB962C8B-B14F-4D97-AF65-F5344CB8AC3E}">
-        <p14:creationId xmlns:p14="http://schemas.microsoft.com/office/powerpoint/2010/main" val="2587269435"/>
+        <p14:creationId xmlns:p14="http://schemas.microsoft.com/office/powerpoint/2010/main" val="2760175670"/>
       </p:ext>
     </p:extLst>
   </p:cSld>
@@ -3666,6 +3655,124 @@
       </p:grpSpPr>
       <p:sp>
         <p:nvSpPr>
+          <p:cNvPr id="2" name="Title 1">
+            <a:extLst>
+              <a:ext uri="{FF2B5EF4-FFF2-40B4-BE49-F238E27FC236}">
+                <a16:creationId xmlns:a16="http://schemas.microsoft.com/office/drawing/2014/main" id="{99C27558-ABAA-4F77-8BCD-02F01616DF61}"/>
+              </a:ext>
+            </a:extLst>
+          </p:cNvPr>
+          <p:cNvSpPr>
+            <a:spLocks noGrp="1"/>
+          </p:cNvSpPr>
+          <p:nvPr>
+            <p:ph type="title"/>
+          </p:nvPr>
+        </p:nvSpPr>
+        <p:spPr/>
+        <p:txBody>
+          <a:bodyPr/>
+          <a:lstStyle/>
+          <a:p>
+            <a:r>
+              <a:rPr lang="en-US" dirty="0"/>
+              <a:t>Goals for this morning</a:t>
+            </a:r>
+          </a:p>
+        </p:txBody>
+      </p:sp>
+      <p:sp>
+        <p:nvSpPr>
+          <p:cNvPr id="3" name="Content Placeholder 2">
+            <a:extLst>
+              <a:ext uri="{FF2B5EF4-FFF2-40B4-BE49-F238E27FC236}">
+                <a16:creationId xmlns:a16="http://schemas.microsoft.com/office/drawing/2014/main" id="{CE47C997-E594-4985-AC92-C9343681A7C9}"/>
+              </a:ext>
+            </a:extLst>
+          </p:cNvPr>
+          <p:cNvSpPr>
+            <a:spLocks noGrp="1"/>
+          </p:cNvSpPr>
+          <p:nvPr>
+            <p:ph idx="1"/>
+          </p:nvPr>
+        </p:nvSpPr>
+        <p:spPr/>
+        <p:txBody>
+          <a:bodyPr/>
+          <a:lstStyle/>
+          <a:p>
+            <a:r>
+              <a:rPr lang="en-US" dirty="0"/>
+              <a:t>Be able to open datasets in </a:t>
+            </a:r>
+            <a:r>
+              <a:rPr lang="en-US" dirty="0" err="1"/>
+              <a:t>RStudio</a:t>
+            </a:r>
+            <a:r>
+              <a:rPr lang="en-US" dirty="0"/>
+              <a:t>.</a:t>
+            </a:r>
+          </a:p>
+          <a:p>
+            <a:r>
+              <a:rPr lang="en-US" dirty="0"/>
+              <a:t>Be able to navigate datasets.</a:t>
+            </a:r>
+          </a:p>
+          <a:p>
+            <a:r>
+              <a:rPr lang="en-US" dirty="0"/>
+              <a:t>Understand the use of scripts.</a:t>
+            </a:r>
+          </a:p>
+          <a:p>
+            <a:r>
+              <a:rPr lang="en-US" dirty="0"/>
+              <a:t>Be able to use help.</a:t>
+            </a:r>
+          </a:p>
+          <a:p>
+            <a:r>
+              <a:rPr lang="en-US" dirty="0"/>
+              <a:t>Be able to use base R functions.</a:t>
+            </a:r>
+          </a:p>
+        </p:txBody>
+      </p:sp>
+    </p:spTree>
+    <p:extLst>
+      <p:ext uri="{BB962C8B-B14F-4D97-AF65-F5344CB8AC3E}">
+        <p14:creationId xmlns:p14="http://schemas.microsoft.com/office/powerpoint/2010/main" val="2587269435"/>
+      </p:ext>
+    </p:extLst>
+  </p:cSld>
+  <p:clrMapOvr>
+    <a:masterClrMapping/>
+  </p:clrMapOvr>
+</p:sld>
+</file>
+
+<file path=ppt/slides/slide12.xml><?xml version="1.0" encoding="utf-8"?>
+<p:sld xmlns:a="http://schemas.openxmlformats.org/drawingml/2006/main" xmlns:r="http://schemas.openxmlformats.org/officeDocument/2006/relationships" xmlns:p="http://schemas.openxmlformats.org/presentationml/2006/main">
+  <p:cSld>
+    <p:spTree>
+      <p:nvGrpSpPr>
+        <p:cNvPr id="1" name=""/>
+        <p:cNvGrpSpPr/>
+        <p:nvPr/>
+      </p:nvGrpSpPr>
+      <p:grpSpPr>
+        <a:xfrm>
+          <a:off x="0" y="0"/>
+          <a:ext cx="0" cy="0"/>
+          <a:chOff x="0" y="0"/>
+          <a:chExt cx="0" cy="0"/>
+        </a:xfrm>
+      </p:grpSpPr>
+      <p:sp>
+        <p:nvSpPr>
           <p:cNvPr id="3" name="Content Placeholder 2">
             <a:extLst>
               <a:ext uri="{FF2B5EF4-FFF2-40B4-BE49-F238E27FC236}">
@@ -3720,7 +3827,7 @@
 </p:sld>
 </file>
 
-<file path=ppt/slides/slide12.xml><?xml version="1.0" encoding="utf-8"?>
+<file path=ppt/slides/slide13.xml><?xml version="1.0" encoding="utf-8"?>
 <p:sld xmlns:a="http://schemas.openxmlformats.org/drawingml/2006/main" xmlns:r="http://schemas.openxmlformats.org/officeDocument/2006/relationships" xmlns:p="http://schemas.openxmlformats.org/presentationml/2006/main">
   <p:cSld>
     <p:spTree>
@@ -4707,7 +4814,13 @@
       </p:grpSpPr>
       <p:sp>
         <p:nvSpPr>
-          <p:cNvPr id="2" name="Title 1"/>
+          <p:cNvPr id="2" name="Title 1">
+            <a:extLst>
+              <a:ext uri="{FF2B5EF4-FFF2-40B4-BE49-F238E27FC236}">
+                <a16:creationId xmlns:a16="http://schemas.microsoft.com/office/drawing/2014/main" id="{E860386A-F148-B8AC-82EE-6D1252CC70E6}"/>
+              </a:ext>
+            </a:extLst>
+          </p:cNvPr>
           <p:cNvSpPr>
             <a:spLocks noGrp="1"/>
           </p:cNvSpPr>
@@ -4722,14 +4835,20 @@
           <a:p>
             <a:r>
               <a:rPr lang="en-US" dirty="0"/>
-              <a:t>Workshop Schedule</a:t>
-            </a:r>
-          </a:p>
-        </p:txBody>
-      </p:sp>
-      <p:sp>
-        <p:nvSpPr>
-          <p:cNvPr id="3" name="Content Placeholder 2"/>
+              <a:t>What are your goals?</a:t>
+            </a:r>
+          </a:p>
+        </p:txBody>
+      </p:sp>
+      <p:sp>
+        <p:nvSpPr>
+          <p:cNvPr id="3" name="Content Placeholder 2">
+            <a:extLst>
+              <a:ext uri="{FF2B5EF4-FFF2-40B4-BE49-F238E27FC236}">
+                <a16:creationId xmlns:a16="http://schemas.microsoft.com/office/drawing/2014/main" id="{670B901E-B67C-9E31-8105-72887F31E359}"/>
+              </a:ext>
+            </a:extLst>
+          </p:cNvPr>
           <p:cNvSpPr>
             <a:spLocks noGrp="1"/>
           </p:cNvSpPr>
@@ -4739,92 +4858,30 @@
         </p:nvSpPr>
         <p:spPr/>
         <p:txBody>
-          <a:bodyPr>
-            <a:normAutofit/>
-          </a:bodyPr>
-          <a:lstStyle/>
-          <a:p>
-            <a:pPr marL="514350" indent="-514350">
-              <a:buAutoNum type="arabicPeriod"/>
-            </a:pPr>
-            <a:r>
-              <a:rPr lang="en-US" dirty="0"/>
-              <a:t>Intro to R </a:t>
-            </a:r>
-            <a:r>
-              <a:rPr lang="en-US" dirty="0" err="1"/>
-              <a:t>dataframes</a:t>
-            </a:r>
-            <a:endParaRPr lang="en-US" dirty="0"/>
-          </a:p>
-          <a:p>
-            <a:pPr marL="514350" indent="-514350">
-              <a:buAutoNum type="arabicPeriod"/>
-            </a:pPr>
-            <a:r>
-              <a:rPr lang="en-US" dirty="0"/>
-              <a:t>Visualizations with </a:t>
-            </a:r>
-            <a:r>
-              <a:rPr lang="en-US" dirty="0" err="1"/>
-              <a:t>ggplot</a:t>
-            </a:r>
-            <a:endParaRPr lang="en-US" dirty="0"/>
-          </a:p>
-          <a:p>
-            <a:pPr marL="514350" indent="-514350">
-              <a:buFont typeface="Arial" panose="020B0604020202020204" pitchFamily="34" charset="0"/>
-              <a:buAutoNum type="arabicPeriod"/>
-            </a:pPr>
-            <a:r>
-              <a:rPr lang="en-US" dirty="0"/>
-              <a:t>Data Munging with the </a:t>
-            </a:r>
-            <a:r>
-              <a:rPr lang="en-US" dirty="0" err="1"/>
-              <a:t>Tidyverse</a:t>
-            </a:r>
-            <a:endParaRPr lang="en-US" dirty="0"/>
-          </a:p>
-          <a:p>
-            <a:pPr marL="514350" indent="-514350">
-              <a:buAutoNum type="arabicPeriod"/>
-            </a:pPr>
-            <a:r>
-              <a:rPr lang="en-US" dirty="0"/>
-              <a:t>GIS with sf</a:t>
-            </a:r>
-          </a:p>
-          <a:p>
-            <a:pPr marL="514350" indent="-514350">
-              <a:buAutoNum type="arabicPeriod"/>
-            </a:pPr>
-            <a:r>
-              <a:rPr lang="en-US" dirty="0"/>
-              <a:t>Software Engineering for Researchers</a:t>
-            </a:r>
-          </a:p>
-          <a:p>
-            <a:pPr marL="514350" indent="-514350">
-              <a:buAutoNum type="arabicPeriod"/>
-            </a:pPr>
-            <a:r>
-              <a:rPr lang="en-US" dirty="0"/>
-              <a:t>Regression</a:t>
-            </a:r>
-          </a:p>
-          <a:p>
-            <a:pPr marL="514350" indent="-514350">
-              <a:buAutoNum type="arabicPeriod"/>
-            </a:pPr>
-            <a:endParaRPr lang="en-US" dirty="0"/>
+          <a:bodyPr/>
+          <a:lstStyle/>
+          <a:p>
+            <a:r>
+              <a:rPr lang="en-US" dirty="0"/>
+              <a:t>Where are you now?</a:t>
+            </a:r>
+          </a:p>
+          <a:p>
+            <a:r>
+              <a:rPr lang="en-US" dirty="0"/>
+              <a:t>What would you hope to get out of </a:t>
+            </a:r>
+            <a:r>
+              <a:rPr lang="en-US"/>
+              <a:t>the sessions?</a:t>
+            </a:r>
           </a:p>
         </p:txBody>
       </p:sp>
     </p:spTree>
     <p:extLst>
       <p:ext uri="{BB962C8B-B14F-4D97-AF65-F5344CB8AC3E}">
-        <p14:creationId xmlns:p14="http://schemas.microsoft.com/office/powerpoint/2010/main" val="1928338641"/>
+        <p14:creationId xmlns:p14="http://schemas.microsoft.com/office/powerpoint/2010/main" val="4025994324"/>
       </p:ext>
     </p:extLst>
   </p:cSld>
@@ -4868,7 +4925,7 @@
           <a:p>
             <a:r>
               <a:rPr lang="en-US" dirty="0"/>
-              <a:t>Structure of the Workshops</a:t>
+              <a:t>Workshop Schedule</a:t>
             </a:r>
           </a:p>
         </p:txBody>
@@ -4890,47 +4947,87 @@
           </a:bodyPr>
           <a:lstStyle/>
           <a:p>
-            <a:pPr marL="0" indent="0">
-              <a:buNone/>
+            <a:pPr marL="514350" indent="-514350">
+              <a:buAutoNum type="arabicPeriod"/>
             </a:pPr>
             <a:r>
               <a:rPr lang="en-US" dirty="0"/>
-              <a:t>“We do, you do”.</a:t>
-            </a:r>
-          </a:p>
-          <a:p>
-            <a:pPr marL="0" indent="0">
-              <a:buNone/>
+              <a:t>Intro to R </a:t>
+            </a:r>
+            <a:r>
+              <a:rPr lang="en-US" dirty="0" err="1"/>
+              <a:t>dataframes</a:t>
+            </a:r>
+            <a:endParaRPr lang="en-US" dirty="0"/>
+          </a:p>
+          <a:p>
+            <a:pPr marL="514350" indent="-514350">
+              <a:buAutoNum type="arabicPeriod"/>
             </a:pPr>
             <a:r>
               <a:rPr lang="en-US" dirty="0"/>
-              <a:t>9-10:30 – Intro to R</a:t>
-            </a:r>
-          </a:p>
-          <a:p>
-            <a:pPr marL="0" indent="0">
-              <a:buNone/>
+              <a:t>Visualizations with </a:t>
+            </a:r>
+            <a:r>
+              <a:rPr lang="en-US" dirty="0" err="1"/>
+              <a:t>ggplot</a:t>
+            </a:r>
+            <a:endParaRPr lang="en-US" dirty="0"/>
+          </a:p>
+          <a:p>
+            <a:pPr marL="514350" indent="-514350">
+              <a:buFont typeface="Arial" panose="020B0604020202020204" pitchFamily="34" charset="0"/>
+              <a:buAutoNum type="arabicPeriod"/>
             </a:pPr>
             <a:r>
               <a:rPr lang="en-US" dirty="0"/>
-              <a:t>10:30-11:30 – Pair Programing</a:t>
-            </a:r>
-          </a:p>
-          <a:p>
-            <a:pPr marL="0" indent="0">
-              <a:buNone/>
+              <a:t>Data Munging with the </a:t>
+            </a:r>
+            <a:r>
+              <a:rPr lang="en-US" dirty="0" err="1"/>
+              <a:t>Tidyverse</a:t>
+            </a:r>
+            <a:endParaRPr lang="en-US" dirty="0"/>
+          </a:p>
+          <a:p>
+            <a:pPr marL="514350" indent="-514350">
+              <a:buAutoNum type="arabicPeriod"/>
             </a:pPr>
             <a:r>
               <a:rPr lang="en-US" dirty="0"/>
-              <a:t>11:30-12:00 – Review Solutions</a:t>
-            </a:r>
+              <a:t>GIS with sf</a:t>
+            </a:r>
+          </a:p>
+          <a:p>
+            <a:pPr marL="514350" indent="-514350">
+              <a:buAutoNum type="arabicPeriod"/>
+            </a:pPr>
+            <a:r>
+              <a:rPr lang="en-US" dirty="0"/>
+              <a:t>Software Engineering for Researchers</a:t>
+            </a:r>
+          </a:p>
+          <a:p>
+            <a:pPr marL="514350" indent="-514350">
+              <a:buAutoNum type="arabicPeriod"/>
+            </a:pPr>
+            <a:r>
+              <a:rPr lang="en-US" dirty="0"/>
+              <a:t>Regression</a:t>
+            </a:r>
+          </a:p>
+          <a:p>
+            <a:pPr marL="514350" indent="-514350">
+              <a:buAutoNum type="arabicPeriod"/>
+            </a:pPr>
+            <a:endParaRPr lang="en-US" dirty="0"/>
           </a:p>
         </p:txBody>
       </p:sp>
     </p:spTree>
     <p:extLst>
       <p:ext uri="{BB962C8B-B14F-4D97-AF65-F5344CB8AC3E}">
-        <p14:creationId xmlns:p14="http://schemas.microsoft.com/office/powerpoint/2010/main" val="2760175670"/>
+        <p14:creationId xmlns:p14="http://schemas.microsoft.com/office/powerpoint/2010/main" val="1928338641"/>
       </p:ext>
     </p:extLst>
   </p:cSld>

--- a/session-1/session-1.pptx
+++ b/session-1/session-1.pptx
@@ -3407,13 +3407,12 @@
             </a:r>
           </a:p>
           <a:p>
-            <a:pPr>
-              <a:buFontTx/>
-              <a:buChar char="-"/>
+            <a:pPr marL="0" indent="0">
+              <a:buNone/>
             </a:pPr>
             <a:r>
               <a:rPr lang="en-US" dirty="0"/>
-              <a:t>have downloaded from </a:t>
+              <a:t>- have downloaded from </a:t>
             </a:r>
             <a:r>
               <a:rPr lang="en-US" dirty="0" err="1"/>
@@ -3470,13 +3469,12 @@
             </a:r>
           </a:p>
           <a:p>
-            <a:pPr>
-              <a:buFontTx/>
-              <a:buChar char="-"/>
+            <a:pPr marL="0" indent="0">
+              <a:buNone/>
             </a:pPr>
             <a:r>
               <a:rPr lang="en-US" dirty="0"/>
-              <a:t>Download “Properties (CSV)” from</a:t>
+              <a:t>- Download “Properties (CSV)” from</a:t>
             </a:r>
           </a:p>
           <a:p>
@@ -4835,7 +4833,7 @@
           <a:p>
             <a:r>
               <a:rPr lang="en-US" dirty="0"/>
-              <a:t>What are your goals?</a:t>
+              <a:t>Getting to know you</a:t>
             </a:r>
           </a:p>
         </p:txBody>
@@ -4863,17 +4861,19 @@
           <a:p>
             <a:r>
               <a:rPr lang="en-US" dirty="0"/>
-              <a:t>Where are you now?</a:t>
-            </a:r>
-          </a:p>
-          <a:p>
-            <a:r>
-              <a:rPr lang="en-US" dirty="0"/>
-              <a:t>What would you hope to get out of </a:t>
-            </a:r>
-            <a:r>
-              <a:rPr lang="en-US"/>
-              <a:t>the sessions?</a:t>
+              <a:t>What do you work on?</a:t>
+            </a:r>
+          </a:p>
+          <a:p>
+            <a:r>
+              <a:rPr lang="en-US" dirty="0"/>
+              <a:t>What is your current coding workstream?</a:t>
+            </a:r>
+          </a:p>
+          <a:p>
+            <a:r>
+              <a:rPr lang="en-US" dirty="0"/>
+              <a:t>What would you hope to get out of the sessions?</a:t>
             </a:r>
           </a:p>
         </p:txBody>
